--- a/costOfTreatment.pptx
+++ b/costOfTreatment.pptx
@@ -218,7 +218,7 @@
             <a:fld id="{D8B14E9E-DFC3-C14F-8CBD-266555DAF91A}" type="datetimeFigureOut">
               <a:rPr lang="en-US" smtClean="0"/>
               <a:pPr/>
-              <a:t>7/25/18</a:t>
+              <a:t>7/26/18</a:t>
             </a:fld>
             <a:endParaRPr lang="en-US"/>
           </a:p>
@@ -1467,7 +1467,7 @@
           <a:p>
             <a:fld id="{CEE85C9D-2D83-FA47-828D-ACAEAD525D85}" type="datetime1">
               <a:rPr lang="en-SG" smtClean="0"/>
-              <a:t>25/7/18</a:t>
+              <a:t>26/7/18</a:t>
             </a:fld>
             <a:endParaRPr lang="en-US"/>
           </a:p>
@@ -1643,7 +1643,7 @@
           <a:p>
             <a:fld id="{A1973A32-710C-BA4E-9AEB-E6C0223E342B}" type="datetime1">
               <a:rPr lang="en-SG" smtClean="0"/>
-              <a:t>25/7/18</a:t>
+              <a:t>26/7/18</a:t>
             </a:fld>
             <a:endParaRPr lang="en-US"/>
           </a:p>
@@ -1824,7 +1824,7 @@
           <a:p>
             <a:fld id="{3F19EA8F-B763-E043-9B5F-4D69195F1D81}" type="datetime1">
               <a:rPr lang="en-SG" smtClean="0"/>
-              <a:t>25/7/18</a:t>
+              <a:t>26/7/18</a:t>
             </a:fld>
             <a:endParaRPr lang="en-US"/>
           </a:p>
@@ -2000,7 +2000,7 @@
           <a:p>
             <a:fld id="{F61384AC-1720-FB49-B6BC-4E2DC0AA28EA}" type="datetime1">
               <a:rPr lang="en-SG" smtClean="0"/>
-              <a:t>25/7/18</a:t>
+              <a:t>26/7/18</a:t>
             </a:fld>
             <a:endParaRPr lang="en-US"/>
           </a:p>
@@ -2245,7 +2245,7 @@
           <a:p>
             <a:fld id="{0A78D56C-BAE4-1243-8ACD-6958635CD70F}" type="datetime1">
               <a:rPr lang="en-SG" smtClean="0"/>
-              <a:t>25/7/18</a:t>
+              <a:t>26/7/18</a:t>
             </a:fld>
             <a:endParaRPr lang="en-US"/>
           </a:p>
@@ -2483,7 +2483,7 @@
           <a:p>
             <a:fld id="{47D33AE3-9FF1-3043-B367-544D882B6875}" type="datetime1">
               <a:rPr lang="en-SG" smtClean="0"/>
-              <a:t>25/7/18</a:t>
+              <a:t>26/7/18</a:t>
             </a:fld>
             <a:endParaRPr lang="en-US"/>
           </a:p>
@@ -2856,7 +2856,7 @@
           <a:p>
             <a:fld id="{6476B11F-5483-D345-A6B4-D63A465FF66F}" type="datetime1">
               <a:rPr lang="en-SG" smtClean="0"/>
-              <a:t>25/7/18</a:t>
+              <a:t>26/7/18</a:t>
             </a:fld>
             <a:endParaRPr lang="en-US"/>
           </a:p>
@@ -2980,7 +2980,7 @@
           <a:p>
             <a:fld id="{8663A6A3-090C-ED4B-92A5-5D8E32637A56}" type="datetime1">
               <a:rPr lang="en-SG" smtClean="0"/>
-              <a:t>25/7/18</a:t>
+              <a:t>26/7/18</a:t>
             </a:fld>
             <a:endParaRPr lang="en-US"/>
           </a:p>
@@ -3076,7 +3076,7 @@
           <a:p>
             <a:fld id="{820E2773-32B0-C040-93DB-CD1BF1ACF036}" type="datetime1">
               <a:rPr lang="en-SG" smtClean="0"/>
-              <a:t>25/7/18</a:t>
+              <a:t>26/7/18</a:t>
             </a:fld>
             <a:endParaRPr lang="en-US"/>
           </a:p>
@@ -3359,7 +3359,7 @@
           <a:p>
             <a:fld id="{CA084469-4A61-A246-ADF6-4DA237BE44A4}" type="datetime1">
               <a:rPr lang="en-SG" smtClean="0"/>
-              <a:t>25/7/18</a:t>
+              <a:t>26/7/18</a:t>
             </a:fld>
             <a:endParaRPr lang="en-US"/>
           </a:p>
@@ -3622,7 +3622,7 @@
           <a:p>
             <a:fld id="{4AAE1BF6-3836-DC4A-882F-6A725E9657D7}" type="datetime1">
               <a:rPr lang="en-SG" smtClean="0"/>
-              <a:t>25/7/18</a:t>
+              <a:t>26/7/18</a:t>
             </a:fld>
             <a:endParaRPr lang="en-US"/>
           </a:p>
@@ -3836,7 +3836,7 @@
           <a:p>
             <a:fld id="{FBDEE3DC-849B-8D42-A15E-0F49AB604E91}" type="datetime1">
               <a:rPr lang="en-SG" smtClean="0"/>
-              <a:t>25/7/18</a:t>
+              <a:t>26/7/18</a:t>
             </a:fld>
             <a:endParaRPr lang="en-US"/>
           </a:p>
@@ -4521,8 +4521,6 @@
               <a:rPr lang="en-US" b="1" u="sng" dirty="0"/>
               <a:t>between 2011 and 2015</a:t>
             </a:r>
-          </a:p>
-          <a:p>
             <a:endParaRPr lang="en-US" dirty="0"/>
           </a:p>
           <a:p>
@@ -4538,6 +4536,31 @@
               <a:rPr lang="en-US" b="1" u="sng" dirty="0"/>
               <a:t>possible annual inflation rate</a:t>
             </a:r>
+          </a:p>
+          <a:p>
+            <a:r>
+              <a:rPr lang="en-US" b="1" u="sng" dirty="0"/>
+              <a:t>Age</a:t>
+            </a:r>
+            <a:r>
+              <a:rPr lang="en-US" dirty="0"/>
+              <a:t> has a </a:t>
+            </a:r>
+            <a:r>
+              <a:rPr lang="en-US" b="1" dirty="0"/>
+              <a:t>bimodal distribution</a:t>
+            </a:r>
+            <a:r>
+              <a:rPr lang="en-US" dirty="0"/>
+              <a:t>. The model may be further improved by splitting the datasets into 2 obvious age groups, i.e. adults and the elders</a:t>
+            </a:r>
+            <a:endParaRPr lang="en-US" b="1" dirty="0"/>
+          </a:p>
+          <a:p>
+            <a:endParaRPr lang="en-US" b="1" u="sng" dirty="0"/>
+          </a:p>
+          <a:p>
+            <a:endParaRPr lang="en-US" b="1" u="sng" dirty="0"/>
           </a:p>
         </p:txBody>
       </p:sp>
@@ -4641,6 +4664,35 @@
           </a:p>
         </p:txBody>
       </p:sp>
+      <p:pic>
+        <p:nvPicPr>
+          <p:cNvPr id="6" name="Picture 5">
+            <a:extLst>
+              <a:ext uri="{FF2B5EF4-FFF2-40B4-BE49-F238E27FC236}">
+                <a16:creationId xmlns:a16="http://schemas.microsoft.com/office/drawing/2014/main" id="{53A45D5E-3215-FC46-B0B8-820460277572}"/>
+              </a:ext>
+            </a:extLst>
+          </p:cNvPr>
+          <p:cNvPicPr>
+            <a:picLocks noChangeAspect="1"/>
+          </p:cNvPicPr>
+          <p:nvPr/>
+        </p:nvPicPr>
+        <p:blipFill rotWithShape="1">
+          <a:blip r:embed="rId3"/>
+          <a:srcRect l="-1" t="1" r="80388" b="82833"/>
+          <a:stretch/>
+        </p:blipFill>
+        <p:spPr>
+          <a:xfrm>
+            <a:off x="2902095" y="4496485"/>
+            <a:ext cx="3339810" cy="2174192"/>
+          </a:xfrm>
+          <a:prstGeom prst="rect">
+            <a:avLst/>
+          </a:prstGeom>
+        </p:spPr>
+      </p:pic>
     </p:spTree>
     <p:extLst>
       <p:ext uri="{BB962C8B-B14F-4D97-AF65-F5344CB8AC3E}">
